--- a/Phase 3/Step 14 - Connecting Angular framework - frontend to Express JS with Mongo DB - backend.pptx
+++ b/Phase 3/Step 14 - Connecting Angular framework - frontend to Express JS with Mongo DB - backend.pptx
@@ -8,28 +8,18 @@
     <p:sldId id="256" r:id="rId2"/>
     <p:sldId id="278" r:id="rId3"/>
     <p:sldId id="279" r:id="rId4"/>
-    <p:sldId id="280" r:id="rId5"/>
-    <p:sldId id="281" r:id="rId6"/>
-    <p:sldId id="282" r:id="rId7"/>
-    <p:sldId id="283" r:id="rId8"/>
-    <p:sldId id="284" r:id="rId9"/>
-    <p:sldId id="285" r:id="rId10"/>
-    <p:sldId id="286" r:id="rId11"/>
-    <p:sldId id="287" r:id="rId12"/>
-    <p:sldId id="288" r:id="rId13"/>
-    <p:sldId id="289" r:id="rId14"/>
-    <p:sldId id="290" r:id="rId15"/>
-    <p:sldId id="291" r:id="rId16"/>
-    <p:sldId id="292" r:id="rId17"/>
-    <p:sldId id="293" r:id="rId18"/>
-    <p:sldId id="294" r:id="rId19"/>
-    <p:sldId id="295" r:id="rId20"/>
-    <p:sldId id="296" r:id="rId21"/>
-    <p:sldId id="297" r:id="rId22"/>
-    <p:sldId id="298" r:id="rId23"/>
-    <p:sldId id="299" r:id="rId24"/>
-    <p:sldId id="300" r:id="rId25"/>
-    <p:sldId id="301" r:id="rId26"/>
+    <p:sldId id="302" r:id="rId5"/>
+    <p:sldId id="303" r:id="rId6"/>
+    <p:sldId id="304" r:id="rId7"/>
+    <p:sldId id="305" r:id="rId8"/>
+    <p:sldId id="306" r:id="rId9"/>
+    <p:sldId id="312" r:id="rId10"/>
+    <p:sldId id="308" r:id="rId11"/>
+    <p:sldId id="309" r:id="rId12"/>
+    <p:sldId id="310" r:id="rId13"/>
+    <p:sldId id="313" r:id="rId14"/>
+    <p:sldId id="314" r:id="rId15"/>
+    <p:sldId id="315" r:id="rId16"/>
   </p:sldIdLst>
   <p:sldSz cx="12192000" cy="6858000"/>
   <p:notesSz cx="6858000" cy="9144000"/>
@@ -267,7 +257,7 @@
           <a:p>
             <a:fld id="{42386099-759E-47AF-B5BA-C91AC6CEC5A3}" type="datetimeFigureOut">
               <a:rPr lang="en-US" smtClean="0"/>
-              <a:t>1/6/2023</a:t>
+              <a:t>3/16/2023</a:t>
             </a:fld>
             <a:endParaRPr lang="en-US"/>
           </a:p>
@@ -437,7 +427,7 @@
           <a:p>
             <a:fld id="{42386099-759E-47AF-B5BA-C91AC6CEC5A3}" type="datetimeFigureOut">
               <a:rPr lang="en-US" smtClean="0"/>
-              <a:t>1/6/2023</a:t>
+              <a:t>3/16/2023</a:t>
             </a:fld>
             <a:endParaRPr lang="en-US"/>
           </a:p>
@@ -617,7 +607,7 @@
           <a:p>
             <a:fld id="{42386099-759E-47AF-B5BA-C91AC6CEC5A3}" type="datetimeFigureOut">
               <a:rPr lang="en-US" smtClean="0"/>
-              <a:t>1/6/2023</a:t>
+              <a:t>3/16/2023</a:t>
             </a:fld>
             <a:endParaRPr lang="en-US"/>
           </a:p>
@@ -787,7 +777,7 @@
           <a:p>
             <a:fld id="{42386099-759E-47AF-B5BA-C91AC6CEC5A3}" type="datetimeFigureOut">
               <a:rPr lang="en-US" smtClean="0"/>
-              <a:t>1/6/2023</a:t>
+              <a:t>3/16/2023</a:t>
             </a:fld>
             <a:endParaRPr lang="en-US"/>
           </a:p>
@@ -1033,7 +1023,7 @@
           <a:p>
             <a:fld id="{42386099-759E-47AF-B5BA-C91AC6CEC5A3}" type="datetimeFigureOut">
               <a:rPr lang="en-US" smtClean="0"/>
-              <a:t>1/6/2023</a:t>
+              <a:t>3/16/2023</a:t>
             </a:fld>
             <a:endParaRPr lang="en-US"/>
           </a:p>
@@ -1265,7 +1255,7 @@
           <a:p>
             <a:fld id="{42386099-759E-47AF-B5BA-C91AC6CEC5A3}" type="datetimeFigureOut">
               <a:rPr lang="en-US" smtClean="0"/>
-              <a:t>1/6/2023</a:t>
+              <a:t>3/16/2023</a:t>
             </a:fld>
             <a:endParaRPr lang="en-US"/>
           </a:p>
@@ -1632,7 +1622,7 @@
           <a:p>
             <a:fld id="{42386099-759E-47AF-B5BA-C91AC6CEC5A3}" type="datetimeFigureOut">
               <a:rPr lang="en-US" smtClean="0"/>
-              <a:t>1/6/2023</a:t>
+              <a:t>3/16/2023</a:t>
             </a:fld>
             <a:endParaRPr lang="en-US"/>
           </a:p>
@@ -1750,7 +1740,7 @@
           <a:p>
             <a:fld id="{42386099-759E-47AF-B5BA-C91AC6CEC5A3}" type="datetimeFigureOut">
               <a:rPr lang="en-US" smtClean="0"/>
-              <a:t>1/6/2023</a:t>
+              <a:t>3/16/2023</a:t>
             </a:fld>
             <a:endParaRPr lang="en-US"/>
           </a:p>
@@ -1845,7 +1835,7 @@
           <a:p>
             <a:fld id="{42386099-759E-47AF-B5BA-C91AC6CEC5A3}" type="datetimeFigureOut">
               <a:rPr lang="en-US" smtClean="0"/>
-              <a:t>1/6/2023</a:t>
+              <a:t>3/16/2023</a:t>
             </a:fld>
             <a:endParaRPr lang="en-US"/>
           </a:p>
@@ -2122,7 +2112,7 @@
           <a:p>
             <a:fld id="{42386099-759E-47AF-B5BA-C91AC6CEC5A3}" type="datetimeFigureOut">
               <a:rPr lang="en-US" smtClean="0"/>
-              <a:t>1/6/2023</a:t>
+              <a:t>3/16/2023</a:t>
             </a:fld>
             <a:endParaRPr lang="en-US"/>
           </a:p>
@@ -2375,7 +2365,7 @@
           <a:p>
             <a:fld id="{42386099-759E-47AF-B5BA-C91AC6CEC5A3}" type="datetimeFigureOut">
               <a:rPr lang="en-US" smtClean="0"/>
-              <a:t>1/6/2023</a:t>
+              <a:t>3/16/2023</a:t>
             </a:fld>
             <a:endParaRPr lang="en-US"/>
           </a:p>
@@ -2588,7 +2578,7 @@
           <a:p>
             <a:fld id="{42386099-759E-47AF-B5BA-C91AC6CEC5A3}" type="datetimeFigureOut">
               <a:rPr lang="en-US" smtClean="0"/>
-              <a:t>1/6/2023</a:t>
+              <a:t>3/16/2023</a:t>
             </a:fld>
             <a:endParaRPr lang="en-US"/>
           </a:p>
@@ -3005,12 +2995,30 @@
         </p:nvSpPr>
         <p:spPr/>
         <p:txBody>
-          <a:bodyPr/>
+          <a:bodyPr>
+            <a:normAutofit fontScale="90000"/>
+          </a:bodyPr>
           <a:lstStyle/>
           <a:p>
             <a:r>
               <a:rPr lang="en-US" dirty="0" smtClean="0"/>
-              <a:t>Testing using Jasmine and Karma – Step 10</a:t>
+              <a:t>Connection Angular Application connecting to backend express with mongo </a:t>
+            </a:r>
+            <a:r>
+              <a:rPr lang="en-US" dirty="0" err="1" smtClean="0"/>
+              <a:t>db</a:t>
+            </a:r>
+            <a:r>
+              <a:rPr lang="en-US" dirty="0" smtClean="0"/>
+              <a:t>– </a:t>
+            </a:r>
+            <a:r>
+              <a:rPr lang="en-US" dirty="0" smtClean="0"/>
+              <a:t>Step </a:t>
+            </a:r>
+            <a:r>
+              <a:rPr lang="en-US" dirty="0" smtClean="0"/>
+              <a:t>14</a:t>
             </a:r>
             <a:endParaRPr lang="en-US" dirty="0"/>
           </a:p>
@@ -3065,38 +3073,13 @@
           <a:chExt cx="0" cy="0"/>
         </a:xfrm>
       </p:grpSpPr>
-      <p:sp>
-        <p:nvSpPr>
-          <p:cNvPr id="2" name="Title 1"/>
-          <p:cNvSpPr>
-            <a:spLocks noGrp="1"/>
-          </p:cNvSpPr>
-          <p:nvPr>
-            <p:ph type="title"/>
-          </p:nvPr>
-        </p:nvSpPr>
-        <p:spPr/>
-        <p:txBody>
-          <a:bodyPr/>
-          <a:lstStyle/>
-          <a:p>
-            <a:r>
-              <a:rPr lang="en-US" dirty="0" smtClean="0"/>
-              <a:t>Now include both pages in SpecRunner.html page </a:t>
-            </a:r>
-            <a:endParaRPr lang="en-US" dirty="0"/>
-          </a:p>
-        </p:txBody>
-      </p:sp>
       <p:pic>
         <p:nvPicPr>
-          <p:cNvPr id="4" name="Content Placeholder 3"/>
+          <p:cNvPr id="3" name="Picture 2"/>
           <p:cNvPicPr>
-            <a:picLocks noGrp="1" noChangeAspect="1"/>
+            <a:picLocks noChangeAspect="1"/>
           </p:cNvPicPr>
-          <p:nvPr>
-            <p:ph idx="1"/>
-          </p:nvPr>
+          <p:nvPr/>
         </p:nvPicPr>
         <p:blipFill>
           <a:blip r:embed="rId2"/>
@@ -3106,8 +3089,8 @@
         </p:blipFill>
         <p:spPr>
           <a:xfrm>
-            <a:off x="2219836" y="1825625"/>
-            <a:ext cx="7752327" cy="4351338"/>
+            <a:off x="799641" y="777010"/>
+            <a:ext cx="10592718" cy="5303980"/>
           </a:xfrm>
           <a:prstGeom prst="rect">
             <a:avLst/>
@@ -3117,7 +3100,7 @@
     </p:spTree>
     <p:extLst>
       <p:ext uri="{BB962C8B-B14F-4D97-AF65-F5344CB8AC3E}">
-        <p14:creationId xmlns:p14="http://schemas.microsoft.com/office/powerpoint/2010/main" val="3945910932"/>
+        <p14:creationId xmlns:p14="http://schemas.microsoft.com/office/powerpoint/2010/main" val="3843539006"/>
       </p:ext>
     </p:extLst>
   </p:cSld>
@@ -3144,38 +3127,13 @@
           <a:chExt cx="0" cy="0"/>
         </a:xfrm>
       </p:grpSpPr>
-      <p:sp>
-        <p:nvSpPr>
-          <p:cNvPr id="2" name="Title 1"/>
-          <p:cNvSpPr>
-            <a:spLocks noGrp="1"/>
-          </p:cNvSpPr>
-          <p:nvPr>
-            <p:ph type="title"/>
-          </p:nvPr>
-        </p:nvSpPr>
-        <p:spPr/>
-        <p:txBody>
-          <a:bodyPr/>
-          <a:lstStyle/>
-          <a:p>
-            <a:r>
-              <a:rPr lang="en-US" dirty="0" smtClean="0"/>
-              <a:t>Running SpecRunner.html page </a:t>
-            </a:r>
-            <a:endParaRPr lang="en-US" dirty="0"/>
-          </a:p>
-        </p:txBody>
-      </p:sp>
       <p:pic>
         <p:nvPicPr>
-          <p:cNvPr id="4" name="Content Placeholder 3"/>
+          <p:cNvPr id="3" name="Picture 2"/>
           <p:cNvPicPr>
-            <a:picLocks noGrp="1" noChangeAspect="1"/>
+            <a:picLocks noChangeAspect="1"/>
           </p:cNvPicPr>
-          <p:nvPr>
-            <p:ph idx="1"/>
-          </p:nvPr>
+          <p:nvPr/>
         </p:nvPicPr>
         <p:blipFill>
           <a:blip r:embed="rId2"/>
@@ -3185,8 +3143,8 @@
         </p:blipFill>
         <p:spPr>
           <a:xfrm>
-            <a:off x="1283553" y="2050405"/>
-            <a:ext cx="9624894" cy="3901778"/>
+            <a:off x="1977033" y="2038229"/>
+            <a:ext cx="8237934" cy="2781541"/>
           </a:xfrm>
           <a:prstGeom prst="rect">
             <a:avLst/>
@@ -3196,7 +3154,7 @@
     </p:spTree>
     <p:extLst>
       <p:ext uri="{BB962C8B-B14F-4D97-AF65-F5344CB8AC3E}">
-        <p14:creationId xmlns:p14="http://schemas.microsoft.com/office/powerpoint/2010/main" val="2065898554"/>
+        <p14:creationId xmlns:p14="http://schemas.microsoft.com/office/powerpoint/2010/main" val="3356109361"/>
       </p:ext>
     </p:extLst>
   </p:cSld>
@@ -3223,74 +3181,34 @@
           <a:chExt cx="0" cy="0"/>
         </a:xfrm>
       </p:grpSpPr>
-      <p:sp>
-        <p:nvSpPr>
-          <p:cNvPr id="2" name="Title 1"/>
-          <p:cNvSpPr>
-            <a:spLocks noGrp="1"/>
-          </p:cNvSpPr>
-          <p:nvPr>
-            <p:ph type="title"/>
-          </p:nvPr>
-        </p:nvSpPr>
-        <p:spPr/>
-        <p:txBody>
-          <a:bodyPr/>
-          <a:lstStyle/>
-          <a:p>
-            <a:r>
-              <a:rPr lang="en-US" dirty="0" smtClean="0"/>
-              <a:t>Testing with angular framework </a:t>
-            </a:r>
-            <a:endParaRPr lang="en-US" dirty="0"/>
-          </a:p>
-        </p:txBody>
-      </p:sp>
-      <p:sp>
-        <p:nvSpPr>
-          <p:cNvPr id="3" name="Content Placeholder 2"/>
-          <p:cNvSpPr>
-            <a:spLocks noGrp="1"/>
-          </p:cNvSpPr>
-          <p:nvPr>
-            <p:ph idx="1"/>
-          </p:nvPr>
-        </p:nvSpPr>
-        <p:spPr/>
-        <p:txBody>
-          <a:bodyPr/>
-          <a:lstStyle/>
-          <a:p>
-            <a:r>
-              <a:rPr lang="en-US" dirty="0" smtClean="0"/>
-              <a:t>Angular internally use jasmine testing framework to test angular component, service, model classes. </a:t>
-            </a:r>
-          </a:p>
-          <a:p>
-            <a:r>
-              <a:rPr lang="en-US" dirty="0" smtClean="0"/>
-              <a:t>Angular provided all configuration details when we download all dependencies. </a:t>
-            </a:r>
-          </a:p>
-          <a:p>
-            <a:r>
-              <a:rPr lang="en-US" dirty="0" smtClean="0"/>
-              <a:t>Angular use karma test runner tool to check result. </a:t>
-            </a:r>
-          </a:p>
-          <a:p>
-            <a:r>
-              <a:rPr lang="en-US" dirty="0" smtClean="0"/>
-              <a:t>Angular provided testing utilities classes to check angular component, service and model etc. </a:t>
-            </a:r>
-            <a:endParaRPr lang="en-US" dirty="0"/>
-          </a:p>
-        </p:txBody>
-      </p:sp>
+      <p:pic>
+        <p:nvPicPr>
+          <p:cNvPr id="2" name="Picture 1"/>
+          <p:cNvPicPr>
+            <a:picLocks noChangeAspect="1"/>
+          </p:cNvPicPr>
+          <p:nvPr/>
+        </p:nvPicPr>
+        <p:blipFill>
+          <a:blip r:embed="rId2"/>
+          <a:stretch>
+            <a:fillRect/>
+          </a:stretch>
+        </p:blipFill>
+        <p:spPr>
+          <a:xfrm>
+            <a:off x="0" y="642544"/>
+            <a:ext cx="12192000" cy="5572911"/>
+          </a:xfrm>
+          <a:prstGeom prst="rect">
+            <a:avLst/>
+          </a:prstGeom>
+        </p:spPr>
+      </p:pic>
     </p:spTree>
     <p:extLst>
       <p:ext uri="{BB962C8B-B14F-4D97-AF65-F5344CB8AC3E}">
-        <p14:creationId xmlns:p14="http://schemas.microsoft.com/office/powerpoint/2010/main" val="4242687449"/>
+        <p14:creationId xmlns:p14="http://schemas.microsoft.com/office/powerpoint/2010/main" val="1268410274"/>
       </p:ext>
     </p:extLst>
   </p:cSld>
@@ -3317,38 +3235,13 @@
           <a:chExt cx="0" cy="0"/>
         </a:xfrm>
       </p:grpSpPr>
-      <p:sp>
-        <p:nvSpPr>
-          <p:cNvPr id="2" name="Title 1"/>
-          <p:cNvSpPr>
-            <a:spLocks noGrp="1"/>
-          </p:cNvSpPr>
-          <p:nvPr>
-            <p:ph type="title"/>
-          </p:nvPr>
-        </p:nvSpPr>
-        <p:spPr/>
-        <p:txBody>
-          <a:bodyPr/>
-          <a:lstStyle/>
-          <a:p>
-            <a:r>
-              <a:rPr lang="en-US" dirty="0" smtClean="0"/>
-              <a:t>Create the project as normal angular project</a:t>
-            </a:r>
-            <a:endParaRPr lang="en-US" dirty="0"/>
-          </a:p>
-        </p:txBody>
-      </p:sp>
       <p:pic>
         <p:nvPicPr>
-          <p:cNvPr id="4" name="Content Placeholder 3"/>
+          <p:cNvPr id="2" name="Picture 1"/>
           <p:cNvPicPr>
-            <a:picLocks noGrp="1" noChangeAspect="1"/>
+            <a:picLocks noChangeAspect="1"/>
           </p:cNvPicPr>
-          <p:nvPr>
-            <p:ph idx="1"/>
-          </p:nvPr>
+          <p:nvPr/>
         </p:nvPicPr>
         <p:blipFill>
           <a:blip r:embed="rId2"/>
@@ -3358,8 +3251,8 @@
         </p:blipFill>
         <p:spPr>
           <a:xfrm>
-            <a:off x="1763418" y="1825625"/>
-            <a:ext cx="8665164" cy="4351338"/>
+            <a:off x="0" y="271258"/>
+            <a:ext cx="12192000" cy="6315484"/>
           </a:xfrm>
           <a:prstGeom prst="rect">
             <a:avLst/>
@@ -3369,7 +3262,7 @@
     </p:spTree>
     <p:extLst>
       <p:ext uri="{BB962C8B-B14F-4D97-AF65-F5344CB8AC3E}">
-        <p14:creationId xmlns:p14="http://schemas.microsoft.com/office/powerpoint/2010/main" val="47660141"/>
+        <p14:creationId xmlns:p14="http://schemas.microsoft.com/office/powerpoint/2010/main" val="702798662"/>
       </p:ext>
     </p:extLst>
   </p:cSld>
@@ -3396,86 +3289,34 @@
           <a:chExt cx="0" cy="0"/>
         </a:xfrm>
       </p:grpSpPr>
-      <p:sp>
-        <p:nvSpPr>
-          <p:cNvPr id="2" name="Title 1"/>
-          <p:cNvSpPr>
-            <a:spLocks noGrp="1"/>
-          </p:cNvSpPr>
-          <p:nvPr>
-            <p:ph type="title"/>
-          </p:nvPr>
-        </p:nvSpPr>
-        <p:spPr/>
-        <p:txBody>
-          <a:bodyPr/>
-          <a:lstStyle/>
-          <a:p>
-            <a:r>
-              <a:rPr lang="en-US" dirty="0" smtClean="0"/>
-              <a:t>Sample testing file present in angular project </a:t>
-            </a:r>
-            <a:endParaRPr lang="en-US" dirty="0"/>
-          </a:p>
-        </p:txBody>
-      </p:sp>
-      <p:sp>
-        <p:nvSpPr>
-          <p:cNvPr id="3" name="Content Placeholder 2"/>
-          <p:cNvSpPr>
-            <a:spLocks noGrp="1"/>
-          </p:cNvSpPr>
-          <p:nvPr>
-            <p:ph idx="1"/>
-          </p:nvPr>
-        </p:nvSpPr>
-        <p:spPr/>
-        <p:txBody>
-          <a:bodyPr/>
-          <a:lstStyle/>
-          <a:p>
-            <a:r>
-              <a:rPr lang="en-US" dirty="0" err="1" smtClean="0"/>
-              <a:t>src</a:t>
-            </a:r>
-            <a:r>
-              <a:rPr lang="en-US" dirty="0" err="1" smtClean="0">
-                <a:sym typeface="Wingdings" panose="05000000000000000000" pitchFamily="2" charset="2"/>
-              </a:rPr>
-              <a:t>appapp.component.spec.ts</a:t>
-            </a:r>
-            <a:endParaRPr lang="en-US" dirty="0" smtClean="0">
-              <a:sym typeface="Wingdings" panose="05000000000000000000" pitchFamily="2" charset="2"/>
-            </a:endParaRPr>
-          </a:p>
-          <a:p>
-            <a:pPr marL="0" indent="0">
-              <a:buNone/>
-            </a:pPr>
-            <a:endParaRPr lang="en-US" dirty="0">
-              <a:sym typeface="Wingdings" panose="05000000000000000000" pitchFamily="2" charset="2"/>
-            </a:endParaRPr>
-          </a:p>
-          <a:p>
-            <a:pPr marL="0" indent="0">
-              <a:buNone/>
-            </a:pPr>
-            <a:r>
-              <a:rPr lang="en-US" dirty="0" smtClean="0">
-                <a:sym typeface="Wingdings" panose="05000000000000000000" pitchFamily="2" charset="2"/>
-              </a:rPr>
-              <a:t>	This file contains sample test case  </a:t>
-            </a:r>
-          </a:p>
-          <a:p>
-            <a:endParaRPr lang="en-US" dirty="0"/>
-          </a:p>
-        </p:txBody>
-      </p:sp>
+      <p:pic>
+        <p:nvPicPr>
+          <p:cNvPr id="2" name="Picture 1"/>
+          <p:cNvPicPr>
+            <a:picLocks noChangeAspect="1"/>
+          </p:cNvPicPr>
+          <p:nvPr/>
+        </p:nvPicPr>
+        <p:blipFill>
+          <a:blip r:embed="rId2"/>
+          <a:stretch>
+            <a:fillRect/>
+          </a:stretch>
+        </p:blipFill>
+        <p:spPr>
+          <a:xfrm>
+            <a:off x="0" y="179267"/>
+            <a:ext cx="12192000" cy="6499465"/>
+          </a:xfrm>
+          <a:prstGeom prst="rect">
+            <a:avLst/>
+          </a:prstGeom>
+        </p:spPr>
+      </p:pic>
     </p:spTree>
     <p:extLst>
       <p:ext uri="{BB962C8B-B14F-4D97-AF65-F5344CB8AC3E}">
-        <p14:creationId xmlns:p14="http://schemas.microsoft.com/office/powerpoint/2010/main" val="452376842"/>
+        <p14:creationId xmlns:p14="http://schemas.microsoft.com/office/powerpoint/2010/main" val="2373942729"/>
       </p:ext>
     </p:extLst>
   </p:cSld>
@@ -3518,8 +3359,8 @@
         </p:blipFill>
         <p:spPr>
           <a:xfrm>
-            <a:off x="0" y="0"/>
-            <a:ext cx="12192000" cy="6940197"/>
+            <a:off x="792020" y="1798178"/>
+            <a:ext cx="10607959" cy="3261643"/>
           </a:xfrm>
           <a:prstGeom prst="rect">
             <a:avLst/>
@@ -3529,339 +3370,7 @@
     </p:spTree>
     <p:extLst>
       <p:ext uri="{BB962C8B-B14F-4D97-AF65-F5344CB8AC3E}">
-        <p14:creationId xmlns:p14="http://schemas.microsoft.com/office/powerpoint/2010/main" val="1352104801"/>
-      </p:ext>
-    </p:extLst>
-  </p:cSld>
-  <p:clrMapOvr>
-    <a:masterClrMapping/>
-  </p:clrMapOvr>
-</p:sld>
-</file>
-
-<file path=ppt/slides/slide16.xml><?xml version="1.0" encoding="utf-8"?>
-<p:sld xmlns:a="http://schemas.openxmlformats.org/drawingml/2006/main" xmlns:r="http://schemas.openxmlformats.org/officeDocument/2006/relationships" xmlns:p="http://schemas.openxmlformats.org/presentationml/2006/main">
-  <p:cSld>
-    <p:spTree>
-      <p:nvGrpSpPr>
-        <p:cNvPr id="1" name=""/>
-        <p:cNvGrpSpPr/>
-        <p:nvPr/>
-      </p:nvGrpSpPr>
-      <p:grpSpPr>
-        <a:xfrm>
-          <a:off x="0" y="0"/>
-          <a:ext cx="0" cy="0"/>
-          <a:chOff x="0" y="0"/>
-          <a:chExt cx="0" cy="0"/>
-        </a:xfrm>
-      </p:grpSpPr>
-      <p:sp>
-        <p:nvSpPr>
-          <p:cNvPr id="2" name="Title 1"/>
-          <p:cNvSpPr>
-            <a:spLocks noGrp="1"/>
-          </p:cNvSpPr>
-          <p:nvPr>
-            <p:ph type="title"/>
-          </p:nvPr>
-        </p:nvSpPr>
-        <p:spPr/>
-        <p:txBody>
-          <a:bodyPr/>
-          <a:lstStyle/>
-          <a:p>
-            <a:r>
-              <a:rPr lang="en-US" dirty="0" smtClean="0"/>
-              <a:t>To run the test case </a:t>
-            </a:r>
-            <a:endParaRPr lang="en-US" dirty="0"/>
-          </a:p>
-        </p:txBody>
-      </p:sp>
-      <p:sp>
-        <p:nvSpPr>
-          <p:cNvPr id="3" name="Content Placeholder 2"/>
-          <p:cNvSpPr>
-            <a:spLocks noGrp="1"/>
-          </p:cNvSpPr>
-          <p:nvPr>
-            <p:ph idx="1"/>
-          </p:nvPr>
-        </p:nvSpPr>
-        <p:spPr>
-          <a:xfrm>
-            <a:off x="838200" y="1825625"/>
-            <a:ext cx="9608127" cy="991466"/>
-          </a:xfrm>
-        </p:spPr>
-        <p:txBody>
-          <a:bodyPr/>
-          <a:lstStyle/>
-          <a:p>
-            <a:r>
-              <a:rPr lang="en-US" dirty="0" smtClean="0"/>
-              <a:t>We need to use the command as </a:t>
-            </a:r>
-          </a:p>
-          <a:p>
-            <a:pPr lvl="1"/>
-            <a:r>
-              <a:rPr lang="en-US" dirty="0"/>
-              <a:t>n</a:t>
-            </a:r>
-            <a:r>
-              <a:rPr lang="en-US" dirty="0" smtClean="0"/>
-              <a:t>g test </a:t>
-            </a:r>
-            <a:endParaRPr lang="en-US" dirty="0"/>
-          </a:p>
-        </p:txBody>
-      </p:sp>
-      <p:pic>
-        <p:nvPicPr>
-          <p:cNvPr id="4" name="Picture 3"/>
-          <p:cNvPicPr>
-            <a:picLocks noChangeAspect="1"/>
-          </p:cNvPicPr>
-          <p:nvPr/>
-        </p:nvPicPr>
-        <p:blipFill>
-          <a:blip r:embed="rId2"/>
-          <a:stretch>
-            <a:fillRect/>
-          </a:stretch>
-        </p:blipFill>
-        <p:spPr>
-          <a:xfrm>
-            <a:off x="184727" y="3481842"/>
-            <a:ext cx="12192000" cy="2720641"/>
-          </a:xfrm>
-          <a:prstGeom prst="rect">
-            <a:avLst/>
-          </a:prstGeom>
-        </p:spPr>
-      </p:pic>
-    </p:spTree>
-    <p:extLst>
-      <p:ext uri="{BB962C8B-B14F-4D97-AF65-F5344CB8AC3E}">
-        <p14:creationId xmlns:p14="http://schemas.microsoft.com/office/powerpoint/2010/main" val="1025171442"/>
-      </p:ext>
-    </p:extLst>
-  </p:cSld>
-  <p:clrMapOvr>
-    <a:masterClrMapping/>
-  </p:clrMapOvr>
-</p:sld>
-</file>
-
-<file path=ppt/slides/slide17.xml><?xml version="1.0" encoding="utf-8"?>
-<p:sld xmlns:a="http://schemas.openxmlformats.org/drawingml/2006/main" xmlns:r="http://schemas.openxmlformats.org/officeDocument/2006/relationships" xmlns:p="http://schemas.openxmlformats.org/presentationml/2006/main">
-  <p:cSld>
-    <p:spTree>
-      <p:nvGrpSpPr>
-        <p:cNvPr id="1" name=""/>
-        <p:cNvGrpSpPr/>
-        <p:nvPr/>
-      </p:nvGrpSpPr>
-      <p:grpSpPr>
-        <a:xfrm>
-          <a:off x="0" y="0"/>
-          <a:ext cx="0" cy="0"/>
-          <a:chOff x="0" y="0"/>
-          <a:chExt cx="0" cy="0"/>
-        </a:xfrm>
-      </p:grpSpPr>
-      <p:pic>
-        <p:nvPicPr>
-          <p:cNvPr id="2" name="Picture 1"/>
-          <p:cNvPicPr>
-            <a:picLocks noChangeAspect="1"/>
-          </p:cNvPicPr>
-          <p:nvPr/>
-        </p:nvPicPr>
-        <p:blipFill>
-          <a:blip r:embed="rId2"/>
-          <a:stretch>
-            <a:fillRect/>
-          </a:stretch>
-        </p:blipFill>
-        <p:spPr>
-          <a:xfrm>
-            <a:off x="1593908" y="0"/>
-            <a:ext cx="9004184" cy="6858000"/>
-          </a:xfrm>
-          <a:prstGeom prst="rect">
-            <a:avLst/>
-          </a:prstGeom>
-        </p:spPr>
-      </p:pic>
-    </p:spTree>
-    <p:extLst>
-      <p:ext uri="{BB962C8B-B14F-4D97-AF65-F5344CB8AC3E}">
-        <p14:creationId xmlns:p14="http://schemas.microsoft.com/office/powerpoint/2010/main" val="1714753965"/>
-      </p:ext>
-    </p:extLst>
-  </p:cSld>
-  <p:clrMapOvr>
-    <a:masterClrMapping/>
-  </p:clrMapOvr>
-</p:sld>
-</file>
-
-<file path=ppt/slides/slide18.xml><?xml version="1.0" encoding="utf-8"?>
-<p:sld xmlns:a="http://schemas.openxmlformats.org/drawingml/2006/main" xmlns:r="http://schemas.openxmlformats.org/officeDocument/2006/relationships" xmlns:p="http://schemas.openxmlformats.org/presentationml/2006/main">
-  <p:cSld>
-    <p:spTree>
-      <p:nvGrpSpPr>
-        <p:cNvPr id="1" name=""/>
-        <p:cNvGrpSpPr/>
-        <p:nvPr/>
-      </p:nvGrpSpPr>
-      <p:grpSpPr>
-        <a:xfrm>
-          <a:off x="0" y="0"/>
-          <a:ext cx="0" cy="0"/>
-          <a:chOff x="0" y="0"/>
-          <a:chExt cx="0" cy="0"/>
-        </a:xfrm>
-      </p:grpSpPr>
-      <p:sp>
-        <p:nvSpPr>
-          <p:cNvPr id="2" name="Title 1"/>
-          <p:cNvSpPr>
-            <a:spLocks noGrp="1"/>
-          </p:cNvSpPr>
-          <p:nvPr>
-            <p:ph type="title"/>
-          </p:nvPr>
-        </p:nvSpPr>
-        <p:spPr/>
-        <p:txBody>
-          <a:bodyPr/>
-          <a:lstStyle/>
-          <a:p>
-            <a:r>
-              <a:rPr lang="en-US" dirty="0" smtClean="0"/>
-              <a:t>Testing in banking application </a:t>
-            </a:r>
-            <a:endParaRPr lang="en-US" dirty="0"/>
-          </a:p>
-        </p:txBody>
-      </p:sp>
-      <p:pic>
-        <p:nvPicPr>
-          <p:cNvPr id="4" name="Content Placeholder 3"/>
-          <p:cNvPicPr>
-            <a:picLocks noGrp="1" noChangeAspect="1"/>
-          </p:cNvPicPr>
-          <p:nvPr>
-            <p:ph idx="1"/>
-          </p:nvPr>
-        </p:nvPicPr>
-        <p:blipFill>
-          <a:blip r:embed="rId2"/>
-          <a:stretch>
-            <a:fillRect/>
-          </a:stretch>
-        </p:blipFill>
-        <p:spPr>
-          <a:xfrm>
-            <a:off x="838200" y="3255764"/>
-            <a:ext cx="10515600" cy="1491059"/>
-          </a:xfrm>
-          <a:prstGeom prst="rect">
-            <a:avLst/>
-          </a:prstGeom>
-        </p:spPr>
-      </p:pic>
-    </p:spTree>
-    <p:extLst>
-      <p:ext uri="{BB962C8B-B14F-4D97-AF65-F5344CB8AC3E}">
-        <p14:creationId xmlns:p14="http://schemas.microsoft.com/office/powerpoint/2010/main" val="1199391653"/>
-      </p:ext>
-    </p:extLst>
-  </p:cSld>
-  <p:clrMapOvr>
-    <a:masterClrMapping/>
-  </p:clrMapOvr>
-</p:sld>
-</file>
-
-<file path=ppt/slides/slide19.xml><?xml version="1.0" encoding="utf-8"?>
-<p:sld xmlns:a="http://schemas.openxmlformats.org/drawingml/2006/main" xmlns:r="http://schemas.openxmlformats.org/officeDocument/2006/relationships" xmlns:p="http://schemas.openxmlformats.org/presentationml/2006/main">
-  <p:cSld>
-    <p:spTree>
-      <p:nvGrpSpPr>
-        <p:cNvPr id="1" name=""/>
-        <p:cNvGrpSpPr/>
-        <p:nvPr/>
-      </p:nvGrpSpPr>
-      <p:grpSpPr>
-        <a:xfrm>
-          <a:off x="0" y="0"/>
-          <a:ext cx="0" cy="0"/>
-          <a:chOff x="0" y="0"/>
-          <a:chExt cx="0" cy="0"/>
-        </a:xfrm>
-      </p:grpSpPr>
-      <p:sp>
-        <p:nvSpPr>
-          <p:cNvPr id="2" name="Title 1"/>
-          <p:cNvSpPr>
-            <a:spLocks noGrp="1"/>
-          </p:cNvSpPr>
-          <p:nvPr>
-            <p:ph type="title"/>
-          </p:nvPr>
-        </p:nvSpPr>
-        <p:spPr/>
-        <p:txBody>
-          <a:bodyPr/>
-          <a:lstStyle/>
-          <a:p>
-            <a:r>
-              <a:rPr lang="en-US" dirty="0" err="1"/>
-              <a:t>a</a:t>
-            </a:r>
-            <a:r>
-              <a:rPr lang="en-US" dirty="0" err="1" smtClean="0"/>
-              <a:t>pp.component.spec.ts</a:t>
-            </a:r>
-            <a:endParaRPr lang="en-US" dirty="0"/>
-          </a:p>
-        </p:txBody>
-      </p:sp>
-      <p:pic>
-        <p:nvPicPr>
-          <p:cNvPr id="4" name="Content Placeholder 3"/>
-          <p:cNvPicPr>
-            <a:picLocks noGrp="1" noChangeAspect="1"/>
-          </p:cNvPicPr>
-          <p:nvPr>
-            <p:ph idx="1"/>
-          </p:nvPr>
-        </p:nvPicPr>
-        <p:blipFill>
-          <a:blip r:embed="rId2"/>
-          <a:stretch>
-            <a:fillRect/>
-          </a:stretch>
-        </p:blipFill>
-        <p:spPr>
-          <a:xfrm>
-            <a:off x="2161070" y="1825625"/>
-            <a:ext cx="7869860" cy="4351338"/>
-          </a:xfrm>
-          <a:prstGeom prst="rect">
-            <a:avLst/>
-          </a:prstGeom>
-        </p:spPr>
-      </p:pic>
-    </p:spTree>
-    <p:extLst>
-      <p:ext uri="{BB962C8B-B14F-4D97-AF65-F5344CB8AC3E}">
-        <p14:creationId xmlns:p14="http://schemas.microsoft.com/office/powerpoint/2010/main" val="813623825"/>
+        <p14:creationId xmlns:p14="http://schemas.microsoft.com/office/powerpoint/2010/main" val="407006643"/>
       </p:ext>
     </p:extLst>
   </p:cSld>
@@ -3905,7 +3414,11 @@
           <a:p>
             <a:r>
               <a:rPr lang="en-US" dirty="0" smtClean="0"/>
-              <a:t>Testing </a:t>
+              <a:t>Backe</a:t>
+            </a:r>
+            <a:r>
+              <a:rPr lang="en-US" dirty="0" smtClean="0"/>
+              <a:t>nd module </a:t>
             </a:r>
             <a:endParaRPr lang="en-US" dirty="0"/>
           </a:p>
@@ -3928,58 +3441,61 @@
           <a:p>
             <a:r>
               <a:rPr lang="en-US" dirty="0" smtClean="0"/>
-              <a:t>Testing is use to find the defect or bugs or error in the application. </a:t>
-            </a:r>
-          </a:p>
-          <a:p>
-            <a:r>
-              <a:rPr lang="en-US" dirty="0"/>
-              <a:t>Tests are the best way to prevent software defects</a:t>
+              <a:t>First you make sure backend application running using </a:t>
+            </a:r>
+            <a:r>
+              <a:rPr lang="en-US" dirty="0" err="1" smtClean="0"/>
+              <a:t>nodemon</a:t>
             </a:r>
             <a:r>
               <a:rPr lang="en-US" dirty="0" smtClean="0"/>
-              <a:t>.</a:t>
-            </a:r>
-          </a:p>
-          <a:p>
+              <a:t> or node with rest </a:t>
+            </a:r>
+            <a:r>
+              <a:rPr lang="en-US" dirty="0" err="1" smtClean="0"/>
+              <a:t>api</a:t>
+            </a:r>
             <a:r>
               <a:rPr lang="en-US" dirty="0" smtClean="0"/>
-              <a:t>There are two types of testing </a:t>
-            </a:r>
-          </a:p>
-          <a:p>
-            <a:pPr lvl="1"/>
+              <a:t> connected with mongo </a:t>
+            </a:r>
+            <a:r>
+              <a:rPr lang="en-US" dirty="0" err="1" smtClean="0"/>
+              <a:t>db</a:t>
+            </a:r>
             <a:r>
               <a:rPr lang="en-US" dirty="0" smtClean="0"/>
-              <a:t>Black box testing : </a:t>
-            </a:r>
-            <a:r>
-              <a:rPr lang="en-US" dirty="0"/>
-              <a:t>Black box testing </a:t>
-            </a:r>
-            <a:r>
-              <a:rPr lang="en-US" b="1" dirty="0"/>
-              <a:t>involves testing a system with no prior knowledge of its internal workings</a:t>
-            </a:r>
-            <a:r>
-              <a:rPr lang="en-US" dirty="0"/>
-              <a:t>.</a:t>
-            </a:r>
-            <a:endParaRPr lang="en-US" dirty="0" smtClean="0"/>
-          </a:p>
-          <a:p>
-            <a:pPr lvl="1"/>
+              <a:t> database. </a:t>
+            </a:r>
+          </a:p>
+          <a:p>
             <a:r>
               <a:rPr lang="en-US" dirty="0" smtClean="0"/>
-              <a:t>White box testing : </a:t>
-            </a:r>
-            <a:r>
-              <a:rPr lang="en-US" dirty="0"/>
-              <a:t>White box testing techniques </a:t>
-            </a:r>
-            <a:r>
-              <a:rPr lang="en-US" b="1" dirty="0"/>
-              <a:t>analyze the internal structures the used data structures, internal design, code structure</a:t>
+              <a:t>So we will use step </a:t>
+            </a:r>
+            <a:r>
+              <a:rPr lang="en-US" dirty="0" err="1" smtClean="0"/>
+              <a:t>step</a:t>
+            </a:r>
+            <a:r>
+              <a:rPr lang="en-US" dirty="0" smtClean="0"/>
+              <a:t> 13 which is running backend module with express </a:t>
+            </a:r>
+            <a:r>
+              <a:rPr lang="en-US" dirty="0" err="1" smtClean="0"/>
+              <a:t>js</a:t>
+            </a:r>
+            <a:r>
+              <a:rPr lang="en-US" dirty="0" smtClean="0"/>
+              <a:t> with mongo </a:t>
+            </a:r>
+            <a:r>
+              <a:rPr lang="en-US" dirty="0" err="1" smtClean="0"/>
+              <a:t>db</a:t>
+            </a:r>
+            <a:r>
+              <a:rPr lang="en-US" dirty="0" smtClean="0"/>
+              <a:t> database. </a:t>
             </a:r>
             <a:endParaRPr lang="en-US" dirty="0"/>
           </a:p>
@@ -3989,463 +3505,6 @@
     <p:extLst>
       <p:ext uri="{BB962C8B-B14F-4D97-AF65-F5344CB8AC3E}">
         <p14:creationId xmlns:p14="http://schemas.microsoft.com/office/powerpoint/2010/main" val="965558226"/>
-      </p:ext>
-    </p:extLst>
-  </p:cSld>
-  <p:clrMapOvr>
-    <a:masterClrMapping/>
-  </p:clrMapOvr>
-</p:sld>
-</file>
-
-<file path=ppt/slides/slide20.xml><?xml version="1.0" encoding="utf-8"?>
-<p:sld xmlns:a="http://schemas.openxmlformats.org/drawingml/2006/main" xmlns:r="http://schemas.openxmlformats.org/officeDocument/2006/relationships" xmlns:p="http://schemas.openxmlformats.org/presentationml/2006/main">
-  <p:cSld>
-    <p:spTree>
-      <p:nvGrpSpPr>
-        <p:cNvPr id="1" name=""/>
-        <p:cNvGrpSpPr/>
-        <p:nvPr/>
-      </p:nvGrpSpPr>
-      <p:grpSpPr>
-        <a:xfrm>
-          <a:off x="0" y="0"/>
-          <a:ext cx="0" cy="0"/>
-          <a:chOff x="0" y="0"/>
-          <a:chExt cx="0" cy="0"/>
-        </a:xfrm>
-      </p:grpSpPr>
-      <p:sp>
-        <p:nvSpPr>
-          <p:cNvPr id="2" name="Title 1"/>
-          <p:cNvSpPr>
-            <a:spLocks noGrp="1"/>
-          </p:cNvSpPr>
-          <p:nvPr>
-            <p:ph type="title"/>
-          </p:nvPr>
-        </p:nvSpPr>
-        <p:spPr/>
-        <p:txBody>
-          <a:bodyPr/>
-          <a:lstStyle/>
-          <a:p>
-            <a:r>
-              <a:rPr lang="en-US" dirty="0" err="1" smtClean="0"/>
-              <a:t>Home.component.spec.ts</a:t>
-            </a:r>
-            <a:endParaRPr lang="en-US" dirty="0"/>
-          </a:p>
-        </p:txBody>
-      </p:sp>
-      <p:pic>
-        <p:nvPicPr>
-          <p:cNvPr id="4" name="Content Placeholder 3"/>
-          <p:cNvPicPr>
-            <a:picLocks noGrp="1" noChangeAspect="1"/>
-          </p:cNvPicPr>
-          <p:nvPr>
-            <p:ph idx="1"/>
-          </p:nvPr>
-        </p:nvPicPr>
-        <p:blipFill>
-          <a:blip r:embed="rId2"/>
-          <a:stretch>
-            <a:fillRect/>
-          </a:stretch>
-        </p:blipFill>
-        <p:spPr>
-          <a:xfrm>
-            <a:off x="1915574" y="1825625"/>
-            <a:ext cx="8360851" cy="4351338"/>
-          </a:xfrm>
-          <a:prstGeom prst="rect">
-            <a:avLst/>
-          </a:prstGeom>
-        </p:spPr>
-      </p:pic>
-    </p:spTree>
-    <p:extLst>
-      <p:ext uri="{BB962C8B-B14F-4D97-AF65-F5344CB8AC3E}">
-        <p14:creationId xmlns:p14="http://schemas.microsoft.com/office/powerpoint/2010/main" val="3531282331"/>
-      </p:ext>
-    </p:extLst>
-  </p:cSld>
-  <p:clrMapOvr>
-    <a:masterClrMapping/>
-  </p:clrMapOvr>
-</p:sld>
-</file>
-
-<file path=ppt/slides/slide21.xml><?xml version="1.0" encoding="utf-8"?>
-<p:sld xmlns:a="http://schemas.openxmlformats.org/drawingml/2006/main" xmlns:r="http://schemas.openxmlformats.org/officeDocument/2006/relationships" xmlns:p="http://schemas.openxmlformats.org/presentationml/2006/main">
-  <p:cSld>
-    <p:spTree>
-      <p:nvGrpSpPr>
-        <p:cNvPr id="1" name=""/>
-        <p:cNvGrpSpPr/>
-        <p:nvPr/>
-      </p:nvGrpSpPr>
-      <p:grpSpPr>
-        <a:xfrm>
-          <a:off x="0" y="0"/>
-          <a:ext cx="0" cy="0"/>
-          <a:chOff x="0" y="0"/>
-          <a:chExt cx="0" cy="0"/>
-        </a:xfrm>
-      </p:grpSpPr>
-      <p:sp>
-        <p:nvSpPr>
-          <p:cNvPr id="2" name="Title 1"/>
-          <p:cNvSpPr>
-            <a:spLocks noGrp="1"/>
-          </p:cNvSpPr>
-          <p:nvPr>
-            <p:ph type="title"/>
-          </p:nvPr>
-        </p:nvSpPr>
-        <p:spPr/>
-        <p:txBody>
-          <a:bodyPr/>
-          <a:lstStyle/>
-          <a:p>
-            <a:r>
-              <a:rPr lang="en-US" dirty="0" smtClean="0"/>
-              <a:t>Customer-</a:t>
-            </a:r>
-            <a:r>
-              <a:rPr lang="en-US" dirty="0" err="1" smtClean="0"/>
-              <a:t>home.component.spec.ts</a:t>
-            </a:r>
-            <a:endParaRPr lang="en-US" dirty="0"/>
-          </a:p>
-        </p:txBody>
-      </p:sp>
-      <p:pic>
-        <p:nvPicPr>
-          <p:cNvPr id="4" name="Content Placeholder 3"/>
-          <p:cNvPicPr>
-            <a:picLocks noGrp="1" noChangeAspect="1"/>
-          </p:cNvPicPr>
-          <p:nvPr>
-            <p:ph idx="1"/>
-          </p:nvPr>
-        </p:nvPicPr>
-        <p:blipFill>
-          <a:blip r:embed="rId2"/>
-          <a:stretch>
-            <a:fillRect/>
-          </a:stretch>
-        </p:blipFill>
-        <p:spPr>
-          <a:xfrm>
-            <a:off x="1807030" y="1825625"/>
-            <a:ext cx="8577940" cy="4351338"/>
-          </a:xfrm>
-          <a:prstGeom prst="rect">
-            <a:avLst/>
-          </a:prstGeom>
-        </p:spPr>
-      </p:pic>
-    </p:spTree>
-    <p:extLst>
-      <p:ext uri="{BB962C8B-B14F-4D97-AF65-F5344CB8AC3E}">
-        <p14:creationId xmlns:p14="http://schemas.microsoft.com/office/powerpoint/2010/main" val="1099499755"/>
-      </p:ext>
-    </p:extLst>
-  </p:cSld>
-  <p:clrMapOvr>
-    <a:masterClrMapping/>
-  </p:clrMapOvr>
-</p:sld>
-</file>
-
-<file path=ppt/slides/slide22.xml><?xml version="1.0" encoding="utf-8"?>
-<p:sld xmlns:a="http://schemas.openxmlformats.org/drawingml/2006/main" xmlns:r="http://schemas.openxmlformats.org/officeDocument/2006/relationships" xmlns:p="http://schemas.openxmlformats.org/presentationml/2006/main">
-  <p:cSld>
-    <p:spTree>
-      <p:nvGrpSpPr>
-        <p:cNvPr id="1" name=""/>
-        <p:cNvGrpSpPr/>
-        <p:nvPr/>
-      </p:nvGrpSpPr>
-      <p:grpSpPr>
-        <a:xfrm>
-          <a:off x="0" y="0"/>
-          <a:ext cx="0" cy="0"/>
-          <a:chOff x="0" y="0"/>
-          <a:chExt cx="0" cy="0"/>
-        </a:xfrm>
-      </p:grpSpPr>
-      <p:sp>
-        <p:nvSpPr>
-          <p:cNvPr id="2" name="Title 1"/>
-          <p:cNvSpPr>
-            <a:spLocks noGrp="1"/>
-          </p:cNvSpPr>
-          <p:nvPr>
-            <p:ph type="title"/>
-          </p:nvPr>
-        </p:nvSpPr>
-        <p:spPr/>
-        <p:txBody>
-          <a:bodyPr/>
-          <a:lstStyle/>
-          <a:p>
-            <a:r>
-              <a:rPr lang="en-US" dirty="0" smtClean="0"/>
-              <a:t>Admin-</a:t>
-            </a:r>
-            <a:r>
-              <a:rPr lang="en-US" dirty="0" err="1" smtClean="0"/>
-              <a:t>home.component.spec.ts</a:t>
-            </a:r>
-            <a:endParaRPr lang="en-US" dirty="0"/>
-          </a:p>
-        </p:txBody>
-      </p:sp>
-      <p:pic>
-        <p:nvPicPr>
-          <p:cNvPr id="4" name="Content Placeholder 3"/>
-          <p:cNvPicPr>
-            <a:picLocks noGrp="1" noChangeAspect="1"/>
-          </p:cNvPicPr>
-          <p:nvPr>
-            <p:ph idx="1"/>
-          </p:nvPr>
-        </p:nvPicPr>
-        <p:blipFill>
-          <a:blip r:embed="rId2"/>
-          <a:stretch>
-            <a:fillRect/>
-          </a:stretch>
-        </p:blipFill>
-        <p:spPr>
-          <a:xfrm>
-            <a:off x="1890354" y="1825625"/>
-            <a:ext cx="8411291" cy="4351338"/>
-          </a:xfrm>
-          <a:prstGeom prst="rect">
-            <a:avLst/>
-          </a:prstGeom>
-        </p:spPr>
-      </p:pic>
-    </p:spTree>
-    <p:extLst>
-      <p:ext uri="{BB962C8B-B14F-4D97-AF65-F5344CB8AC3E}">
-        <p14:creationId xmlns:p14="http://schemas.microsoft.com/office/powerpoint/2010/main" val="2990441641"/>
-      </p:ext>
-    </p:extLst>
-  </p:cSld>
-  <p:clrMapOvr>
-    <a:masterClrMapping/>
-  </p:clrMapOvr>
-</p:sld>
-</file>
-
-<file path=ppt/slides/slide23.xml><?xml version="1.0" encoding="utf-8"?>
-<p:sld xmlns:a="http://schemas.openxmlformats.org/drawingml/2006/main" xmlns:r="http://schemas.openxmlformats.org/officeDocument/2006/relationships" xmlns:p="http://schemas.openxmlformats.org/presentationml/2006/main">
-  <p:cSld>
-    <p:spTree>
-      <p:nvGrpSpPr>
-        <p:cNvPr id="1" name=""/>
-        <p:cNvGrpSpPr/>
-        <p:nvPr/>
-      </p:nvGrpSpPr>
-      <p:grpSpPr>
-        <a:xfrm>
-          <a:off x="0" y="0"/>
-          <a:ext cx="0" cy="0"/>
-          <a:chOff x="0" y="0"/>
-          <a:chExt cx="0" cy="0"/>
-        </a:xfrm>
-      </p:grpSpPr>
-      <p:sp>
-        <p:nvSpPr>
-          <p:cNvPr id="2" name="Title 1"/>
-          <p:cNvSpPr>
-            <a:spLocks noGrp="1"/>
-          </p:cNvSpPr>
-          <p:nvPr>
-            <p:ph type="title"/>
-          </p:nvPr>
-        </p:nvSpPr>
-        <p:spPr/>
-        <p:txBody>
-          <a:bodyPr/>
-          <a:lstStyle/>
-          <a:p>
-            <a:r>
-              <a:rPr lang="en-US" dirty="0" err="1" smtClean="0"/>
-              <a:t>Customer.service.spec.ts</a:t>
-            </a:r>
-            <a:endParaRPr lang="en-US" dirty="0"/>
-          </a:p>
-        </p:txBody>
-      </p:sp>
-      <p:pic>
-        <p:nvPicPr>
-          <p:cNvPr id="4" name="Content Placeholder 3"/>
-          <p:cNvPicPr>
-            <a:picLocks noGrp="1" noChangeAspect="1"/>
-          </p:cNvPicPr>
-          <p:nvPr>
-            <p:ph idx="1"/>
-          </p:nvPr>
-        </p:nvPicPr>
-        <p:blipFill>
-          <a:blip r:embed="rId2"/>
-          <a:stretch>
-            <a:fillRect/>
-          </a:stretch>
-        </p:blipFill>
-        <p:spPr>
-          <a:xfrm>
-            <a:off x="1756538" y="1825625"/>
-            <a:ext cx="8678924" cy="4351338"/>
-          </a:xfrm>
-          <a:prstGeom prst="rect">
-            <a:avLst/>
-          </a:prstGeom>
-        </p:spPr>
-      </p:pic>
-    </p:spTree>
-    <p:extLst>
-      <p:ext uri="{BB962C8B-B14F-4D97-AF65-F5344CB8AC3E}">
-        <p14:creationId xmlns:p14="http://schemas.microsoft.com/office/powerpoint/2010/main" val="2704202823"/>
-      </p:ext>
-    </p:extLst>
-  </p:cSld>
-  <p:clrMapOvr>
-    <a:masterClrMapping/>
-  </p:clrMapOvr>
-</p:sld>
-</file>
-
-<file path=ppt/slides/slide24.xml><?xml version="1.0" encoding="utf-8"?>
-<p:sld xmlns:a="http://schemas.openxmlformats.org/drawingml/2006/main" xmlns:r="http://schemas.openxmlformats.org/officeDocument/2006/relationships" xmlns:p="http://schemas.openxmlformats.org/presentationml/2006/main">
-  <p:cSld>
-    <p:spTree>
-      <p:nvGrpSpPr>
-        <p:cNvPr id="1" name=""/>
-        <p:cNvGrpSpPr/>
-        <p:nvPr/>
-      </p:nvGrpSpPr>
-      <p:grpSpPr>
-        <a:xfrm>
-          <a:off x="0" y="0"/>
-          <a:ext cx="0" cy="0"/>
-          <a:chOff x="0" y="0"/>
-          <a:chExt cx="0" cy="0"/>
-        </a:xfrm>
-      </p:grpSpPr>
-      <p:sp>
-        <p:nvSpPr>
-          <p:cNvPr id="2" name="Title 1"/>
-          <p:cNvSpPr>
-            <a:spLocks noGrp="1"/>
-          </p:cNvSpPr>
-          <p:nvPr>
-            <p:ph type="title"/>
-          </p:nvPr>
-        </p:nvSpPr>
-        <p:spPr/>
-        <p:txBody>
-          <a:bodyPr/>
-          <a:lstStyle/>
-          <a:p>
-            <a:r>
-              <a:rPr lang="en-US" dirty="0" err="1" smtClean="0"/>
-              <a:t>Transaction.service.spec.ts</a:t>
-            </a:r>
-            <a:endParaRPr lang="en-US" dirty="0"/>
-          </a:p>
-        </p:txBody>
-      </p:sp>
-      <p:pic>
-        <p:nvPicPr>
-          <p:cNvPr id="4" name="Content Placeholder 3"/>
-          <p:cNvPicPr>
-            <a:picLocks noGrp="1" noChangeAspect="1"/>
-          </p:cNvPicPr>
-          <p:nvPr>
-            <p:ph idx="1"/>
-          </p:nvPr>
-        </p:nvPicPr>
-        <p:blipFill>
-          <a:blip r:embed="rId2"/>
-          <a:stretch>
-            <a:fillRect/>
-          </a:stretch>
-        </p:blipFill>
-        <p:spPr>
-          <a:xfrm>
-            <a:off x="1754331" y="1825625"/>
-            <a:ext cx="8683337" cy="4351338"/>
-          </a:xfrm>
-          <a:prstGeom prst="rect">
-            <a:avLst/>
-          </a:prstGeom>
-        </p:spPr>
-      </p:pic>
-    </p:spTree>
-    <p:extLst>
-      <p:ext uri="{BB962C8B-B14F-4D97-AF65-F5344CB8AC3E}">
-        <p14:creationId xmlns:p14="http://schemas.microsoft.com/office/powerpoint/2010/main" val="3571270620"/>
-      </p:ext>
-    </p:extLst>
-  </p:cSld>
-  <p:clrMapOvr>
-    <a:masterClrMapping/>
-  </p:clrMapOvr>
-</p:sld>
-</file>
-
-<file path=ppt/slides/slide25.xml><?xml version="1.0" encoding="utf-8"?>
-<p:sld xmlns:a="http://schemas.openxmlformats.org/drawingml/2006/main" xmlns:r="http://schemas.openxmlformats.org/officeDocument/2006/relationships" xmlns:p="http://schemas.openxmlformats.org/presentationml/2006/main">
-  <p:cSld>
-    <p:spTree>
-      <p:nvGrpSpPr>
-        <p:cNvPr id="1" name=""/>
-        <p:cNvGrpSpPr/>
-        <p:nvPr/>
-      </p:nvGrpSpPr>
-      <p:grpSpPr>
-        <a:xfrm>
-          <a:off x="0" y="0"/>
-          <a:ext cx="0" cy="0"/>
-          <a:chOff x="0" y="0"/>
-          <a:chExt cx="0" cy="0"/>
-        </a:xfrm>
-      </p:grpSpPr>
-      <p:pic>
-        <p:nvPicPr>
-          <p:cNvPr id="2" name="Picture 1"/>
-          <p:cNvPicPr>
-            <a:picLocks noChangeAspect="1"/>
-          </p:cNvPicPr>
-          <p:nvPr/>
-        </p:nvPicPr>
-        <p:blipFill>
-          <a:blip r:embed="rId2"/>
-          <a:stretch>
-            <a:fillRect/>
-          </a:stretch>
-        </p:blipFill>
-        <p:spPr>
-          <a:xfrm>
-            <a:off x="0" y="-443347"/>
-            <a:ext cx="12192000" cy="7253897"/>
-          </a:xfrm>
-          <a:prstGeom prst="rect">
-            <a:avLst/>
-          </a:prstGeom>
-        </p:spPr>
-      </p:pic>
-    </p:spTree>
-    <p:extLst>
-      <p:ext uri="{BB962C8B-B14F-4D97-AF65-F5344CB8AC3E}">
-        <p14:creationId xmlns:p14="http://schemas.microsoft.com/office/powerpoint/2010/main" val="4080667158"/>
       </p:ext>
     </p:extLst>
   </p:cSld>
@@ -4489,7 +3548,7 @@
           <a:p>
             <a:r>
               <a:rPr lang="en-US" dirty="0" smtClean="0"/>
-              <a:t>Unit testing </a:t>
+              <a:t>Create angular project using ng command </a:t>
             </a:r>
             <a:endParaRPr lang="en-US" dirty="0"/>
           </a:p>
@@ -4512,26 +3571,39 @@
           <a:p>
             <a:r>
               <a:rPr lang="en-US" dirty="0"/>
-              <a:t>Unit testing is </a:t>
-            </a:r>
-            <a:r>
-              <a:rPr lang="en-US" b="1" dirty="0"/>
-              <a:t>a software development process in which the smallest testable parts of an application, called </a:t>
-            </a:r>
-            <a:r>
-              <a:rPr lang="en-US" b="1" dirty="0" smtClean="0"/>
-              <a:t>units</a:t>
-            </a:r>
-          </a:p>
-          <a:p>
-            <a:r>
-              <a:rPr lang="en-US" b="1" dirty="0"/>
-              <a:t>Unit Testing</a:t>
-            </a:r>
-            <a:r>
-              <a:rPr lang="en-US" dirty="0"/>
-              <a:t> is a type of software testing where individual units or components of a software are tested.</a:t>
-            </a:r>
+              <a:t>n</a:t>
+            </a:r>
+            <a:r>
+              <a:rPr lang="en-US" dirty="0" smtClean="0"/>
+              <a:t>g new frontend </a:t>
+            </a:r>
+          </a:p>
+          <a:p>
+            <a:r>
+              <a:rPr lang="en-US" dirty="0" smtClean="0"/>
+              <a:t>It will ask you routing </a:t>
+            </a:r>
+            <a:r>
+              <a:rPr lang="en-US" dirty="0" smtClean="0">
+                <a:sym typeface="Wingdings" panose="05000000000000000000" pitchFamily="2" charset="2"/>
+              </a:rPr>
+              <a:t> Yes </a:t>
+            </a:r>
+          </a:p>
+          <a:p>
+            <a:r>
+              <a:rPr lang="en-US" dirty="0" smtClean="0">
+                <a:sym typeface="Wingdings" panose="05000000000000000000" pitchFamily="2" charset="2"/>
+              </a:rPr>
+              <a:t>Styling  </a:t>
+            </a:r>
+            <a:r>
+              <a:rPr lang="en-US" dirty="0" err="1" smtClean="0">
+                <a:sym typeface="Wingdings" panose="05000000000000000000" pitchFamily="2" charset="2"/>
+              </a:rPr>
+              <a:t>css</a:t>
+            </a:r>
+            <a:endParaRPr lang="en-US" dirty="0"/>
           </a:p>
         </p:txBody>
       </p:sp>
@@ -4582,7 +3654,7 @@
           <a:p>
             <a:r>
               <a:rPr lang="en-US" dirty="0" smtClean="0"/>
-              <a:t>Jasmine </a:t>
+              <a:t>Open the angular project in vs code </a:t>
             </a:r>
             <a:endParaRPr lang="en-US" dirty="0"/>
           </a:p>
@@ -4604,52 +3676,47 @@
           <a:lstStyle/>
           <a:p>
             <a:r>
+              <a:rPr lang="en-US" dirty="0" smtClean="0"/>
+              <a:t>Now create the </a:t>
+            </a:r>
+          </a:p>
+          <a:p>
+            <a:r>
               <a:rPr lang="en-US" dirty="0"/>
-              <a:t>Jasmine is </a:t>
-            </a:r>
-            <a:r>
-              <a:rPr lang="en-US" b="1" dirty="0"/>
-              <a:t>an open-source and most popular JavaScript library testing framework to test any kind of JavaScript application</a:t>
+              <a:t>n</a:t>
             </a:r>
             <a:r>
               <a:rPr lang="en-US" dirty="0" smtClean="0"/>
-              <a:t>.</a:t>
-            </a:r>
-          </a:p>
-          <a:p>
-            <a:r>
-              <a:rPr lang="en-US" b="1" dirty="0"/>
-              <a:t>Jasmine</a:t>
-            </a:r>
+              <a:t>g generate component product </a:t>
+            </a:r>
+          </a:p>
+          <a:p>
             <a:r>
               <a:rPr lang="en-US" dirty="0"/>
-              <a:t> is a behavior-driven development framework for </a:t>
-            </a:r>
-            <a:r>
-              <a:rPr lang="en-US" b="1" dirty="0"/>
-              <a:t>testing</a:t>
-            </a:r>
+              <a:t>n</a:t>
+            </a:r>
+            <a:r>
+              <a:rPr lang="en-US" dirty="0" smtClean="0"/>
+              <a:t>g generate service product </a:t>
+            </a:r>
+          </a:p>
+          <a:p>
             <a:r>
               <a:rPr lang="en-US" dirty="0"/>
-              <a:t> JavaScript </a:t>
+              <a:t>n</a:t>
             </a:r>
             <a:r>
               <a:rPr lang="en-US" dirty="0" smtClean="0"/>
-              <a:t>code</a:t>
-            </a:r>
-          </a:p>
-          <a:p>
-            <a:r>
-              <a:rPr lang="en-US" dirty="0" smtClean="0"/>
-              <a:t>Jasmine provided test suite, test case and assertion to test plain JavaScript code or JavaScript library or framework. </a:t>
-            </a:r>
+              <a:t>g generate class product </a:t>
+            </a:r>
+            <a:endParaRPr lang="en-US" dirty="0"/>
           </a:p>
         </p:txBody>
       </p:sp>
     </p:spTree>
     <p:extLst>
       <p:ext uri="{BB962C8B-B14F-4D97-AF65-F5344CB8AC3E}">
-        <p14:creationId xmlns:p14="http://schemas.microsoft.com/office/powerpoint/2010/main" val="215044487"/>
+        <p14:creationId xmlns:p14="http://schemas.microsoft.com/office/powerpoint/2010/main" val="2437708280"/>
       </p:ext>
     </p:extLst>
   </p:cSld>
@@ -4692,66 +3759,51 @@
           <a:lstStyle/>
           <a:p>
             <a:r>
+              <a:rPr lang="en-US" dirty="0" err="1"/>
+              <a:t>p</a:t>
+            </a:r>
+            <a:r>
+              <a:rPr lang="en-US" dirty="0" err="1" smtClean="0"/>
+              <a:t>roduct.ts</a:t>
+            </a:r>
+            <a:r>
               <a:rPr lang="en-US" dirty="0" smtClean="0"/>
-              <a:t>Karma </a:t>
+              <a:t> 	model file </a:t>
             </a:r>
             <a:endParaRPr lang="en-US" dirty="0"/>
           </a:p>
         </p:txBody>
       </p:sp>
-      <p:sp>
-        <p:nvSpPr>
-          <p:cNvPr id="3" name="Content Placeholder 2"/>
-          <p:cNvSpPr>
-            <a:spLocks noGrp="1"/>
-          </p:cNvSpPr>
+      <p:pic>
+        <p:nvPicPr>
+          <p:cNvPr id="6" name="Content Placeholder 5"/>
+          <p:cNvPicPr>
+            <a:picLocks noGrp="1" noChangeAspect="1"/>
+          </p:cNvPicPr>
           <p:nvPr>
             <p:ph idx="1"/>
           </p:nvPr>
-        </p:nvSpPr>
-        <p:spPr/>
-        <p:txBody>
-          <a:bodyPr/>
-          <a:lstStyle/>
-          <a:p>
-            <a:r>
-              <a:rPr lang="en-US" dirty="0" smtClean="0"/>
-              <a:t>Karma is test runner for testing framework. </a:t>
-            </a:r>
-          </a:p>
-          <a:p>
-            <a:r>
-              <a:rPr lang="en-US" dirty="0"/>
-              <a:t>Karma is essentially </a:t>
-            </a:r>
-            <a:r>
-              <a:rPr lang="en-US" b="1" dirty="0"/>
-              <a:t>a tool which spawns a web server that executes source code against test code for each of the browsers connected</a:t>
-            </a:r>
-            <a:r>
-              <a:rPr lang="en-US" dirty="0" smtClean="0"/>
-              <a:t>.</a:t>
-            </a:r>
-          </a:p>
-          <a:p>
-            <a:r>
-              <a:rPr lang="en-US" dirty="0"/>
-              <a:t>he results of each test against each browser are examined and displayed via the command line to the developer such that they can see which browsers and tests passed or failed</a:t>
-            </a:r>
-            <a:r>
-              <a:rPr lang="en-US" dirty="0" smtClean="0"/>
-              <a:t>.</a:t>
-            </a:r>
-          </a:p>
-          <a:p>
-            <a:endParaRPr lang="en-US" dirty="0"/>
-          </a:p>
-        </p:txBody>
-      </p:sp>
+        </p:nvPicPr>
+        <p:blipFill>
+          <a:blip r:embed="rId2"/>
+          <a:stretch>
+            <a:fillRect/>
+          </a:stretch>
+        </p:blipFill>
+        <p:spPr>
+          <a:xfrm>
+            <a:off x="3543079" y="2526696"/>
+            <a:ext cx="5105842" cy="2949196"/>
+          </a:xfrm>
+          <a:prstGeom prst="rect">
+            <a:avLst/>
+          </a:prstGeom>
+        </p:spPr>
+      </p:pic>
     </p:spTree>
     <p:extLst>
       <p:ext uri="{BB962C8B-B14F-4D97-AF65-F5344CB8AC3E}">
-        <p14:creationId xmlns:p14="http://schemas.microsoft.com/office/powerpoint/2010/main" val="2502013587"/>
+        <p14:creationId xmlns:p14="http://schemas.microsoft.com/office/powerpoint/2010/main" val="465722722"/>
       </p:ext>
     </p:extLst>
   </p:cSld>
@@ -4794,91 +3846,47 @@
           <a:lstStyle/>
           <a:p>
             <a:r>
+              <a:rPr lang="en-US" dirty="0" err="1" smtClean="0"/>
+              <a:t>app.module.ts</a:t>
+            </a:r>
+            <a:r>
               <a:rPr lang="en-US" dirty="0" smtClean="0"/>
-              <a:t>Testing plain JavaScript function </a:t>
+              <a:t> file all required modules </a:t>
             </a:r>
             <a:endParaRPr lang="en-US" dirty="0"/>
           </a:p>
         </p:txBody>
       </p:sp>
-      <p:sp>
-        <p:nvSpPr>
-          <p:cNvPr id="3" name="Content Placeholder 2"/>
-          <p:cNvSpPr>
-            <a:spLocks noGrp="1"/>
-          </p:cNvSpPr>
+      <p:pic>
+        <p:nvPicPr>
+          <p:cNvPr id="4" name="Content Placeholder 3"/>
+          <p:cNvPicPr>
+            <a:picLocks noGrp="1" noChangeAspect="1"/>
+          </p:cNvPicPr>
           <p:nvPr>
             <p:ph idx="1"/>
           </p:nvPr>
-        </p:nvSpPr>
-        <p:spPr/>
-        <p:txBody>
-          <a:bodyPr/>
-          <a:lstStyle/>
-          <a:p>
-            <a:r>
-              <a:rPr lang="en-US" dirty="0" smtClean="0"/>
-              <a:t>First we need to download jasmine configuration details. </a:t>
-            </a:r>
-          </a:p>
-          <a:p>
-            <a:r>
-              <a:rPr lang="en-US" dirty="0" smtClean="0"/>
-              <a:t>Jasmine official website provide sample jasmine configuration details which we can download from the below </a:t>
-            </a:r>
-            <a:r>
-              <a:rPr lang="en-US" dirty="0" err="1" smtClean="0"/>
-              <a:t>git</a:t>
-            </a:r>
-            <a:r>
-              <a:rPr lang="en-US" dirty="0" smtClean="0"/>
-              <a:t>. </a:t>
-            </a:r>
-          </a:p>
-          <a:p>
-            <a:r>
-              <a:rPr lang="en-US" dirty="0">
-                <a:hlinkClick r:id="rId2"/>
-              </a:rPr>
-              <a:t>https://</a:t>
-            </a:r>
-            <a:r>
-              <a:rPr lang="en-US" dirty="0" smtClean="0">
-                <a:hlinkClick r:id="rId2"/>
-              </a:rPr>
-              <a:t>github.com/jasmine/jasmine/releases</a:t>
-            </a:r>
-            <a:endParaRPr lang="en-US" dirty="0" smtClean="0"/>
-          </a:p>
-          <a:p>
-            <a:r>
-              <a:rPr lang="en-US" dirty="0" smtClean="0"/>
-              <a:t>Open downloaded sample project from </a:t>
-            </a:r>
-            <a:r>
-              <a:rPr lang="en-US" dirty="0" err="1" smtClean="0"/>
-              <a:t>git</a:t>
-            </a:r>
-            <a:r>
-              <a:rPr lang="en-US" dirty="0" smtClean="0"/>
-              <a:t>. </a:t>
-            </a:r>
-          </a:p>
-          <a:p>
-            <a:r>
-              <a:rPr lang="en-US" dirty="0" smtClean="0"/>
-              <a:t>Extract this project and write simple JavaScript function to test the code using jasmine. </a:t>
-            </a:r>
-          </a:p>
-          <a:p>
-            <a:endParaRPr lang="en-US" dirty="0"/>
-          </a:p>
-        </p:txBody>
-      </p:sp>
+        </p:nvPicPr>
+        <p:blipFill>
+          <a:blip r:embed="rId2"/>
+          <a:stretch>
+            <a:fillRect/>
+          </a:stretch>
+        </p:blipFill>
+        <p:spPr>
+          <a:xfrm>
+            <a:off x="2776009" y="1825625"/>
+            <a:ext cx="6639982" cy="4351338"/>
+          </a:xfrm>
+          <a:prstGeom prst="rect">
+            <a:avLst/>
+          </a:prstGeom>
+        </p:spPr>
+      </p:pic>
     </p:spTree>
     <p:extLst>
       <p:ext uri="{BB962C8B-B14F-4D97-AF65-F5344CB8AC3E}">
-        <p14:creationId xmlns:p14="http://schemas.microsoft.com/office/powerpoint/2010/main" val="3647326601"/>
+        <p14:creationId xmlns:p14="http://schemas.microsoft.com/office/powerpoint/2010/main" val="2406222341"/>
       </p:ext>
     </p:extLst>
   </p:cSld>
@@ -4921,8 +3929,16 @@
           <a:lstStyle/>
           <a:p>
             <a:r>
+              <a:rPr lang="en-US" dirty="0" err="1"/>
+              <a:t>p</a:t>
+            </a:r>
+            <a:r>
+              <a:rPr lang="en-US" dirty="0" err="1" smtClean="0"/>
+              <a:t>roduct.service.ts</a:t>
+            </a:r>
+            <a:r>
               <a:rPr lang="en-US" dirty="0" smtClean="0"/>
-              <a:t>Jasmine sample project structure </a:t>
+              <a:t> file </a:t>
             </a:r>
             <a:endParaRPr lang="en-US" dirty="0"/>
           </a:p>
@@ -4930,7 +3946,7 @@
       </p:sp>
       <p:pic>
         <p:nvPicPr>
-          <p:cNvPr id="4" name="Content Placeholder 3"/>
+          <p:cNvPr id="6" name="Content Placeholder 5"/>
           <p:cNvPicPr>
             <a:picLocks noGrp="1" noChangeAspect="1"/>
           </p:cNvPicPr>
@@ -4946,8 +3962,8 @@
         </p:blipFill>
         <p:spPr>
           <a:xfrm>
-            <a:off x="4222507" y="1825625"/>
-            <a:ext cx="3746985" cy="4351338"/>
+            <a:off x="2999552" y="1825625"/>
+            <a:ext cx="6192895" cy="4351338"/>
           </a:xfrm>
           <a:prstGeom prst="rect">
             <a:avLst/>
@@ -4957,7 +3973,7 @@
     </p:spTree>
     <p:extLst>
       <p:ext uri="{BB962C8B-B14F-4D97-AF65-F5344CB8AC3E}">
-        <p14:creationId xmlns:p14="http://schemas.microsoft.com/office/powerpoint/2010/main" val="1835323793"/>
+        <p14:creationId xmlns:p14="http://schemas.microsoft.com/office/powerpoint/2010/main" val="2766864702"/>
       </p:ext>
     </p:extLst>
   </p:cSld>
@@ -5000,16 +4016,16 @@
           <a:lstStyle/>
           <a:p>
             <a:r>
+              <a:rPr lang="en-US" dirty="0" err="1"/>
+              <a:t>a</a:t>
+            </a:r>
+            <a:r>
+              <a:rPr lang="en-US" dirty="0" err="1" smtClean="0"/>
+              <a:t>pp.product.ts</a:t>
+            </a:r>
+            <a:r>
               <a:rPr lang="en-US" dirty="0" smtClean="0"/>
-              <a:t>Now create sample </a:t>
-            </a:r>
-            <a:r>
-              <a:rPr lang="en-US" dirty="0" err="1" smtClean="0"/>
-              <a:t>js</a:t>
-            </a:r>
-            <a:r>
-              <a:rPr lang="en-US" dirty="0" smtClean="0"/>
-              <a:t> file with simple function </a:t>
+              <a:t> </a:t>
             </a:r>
             <a:endParaRPr lang="en-US" dirty="0"/>
           </a:p>
@@ -5017,7 +4033,7 @@
       </p:sp>
       <p:pic>
         <p:nvPicPr>
-          <p:cNvPr id="6" name="Content Placeholder 5"/>
+          <p:cNvPr id="8" name="Content Placeholder 7"/>
           <p:cNvPicPr>
             <a:picLocks noGrp="1" noChangeAspect="1"/>
           </p:cNvPicPr>
@@ -5033,8 +4049,8 @@
         </p:blipFill>
         <p:spPr>
           <a:xfrm>
-            <a:off x="3182550" y="1825625"/>
-            <a:ext cx="5826899" cy="4351338"/>
+            <a:off x="3265953" y="1825625"/>
+            <a:ext cx="5660094" cy="4351338"/>
           </a:xfrm>
           <a:prstGeom prst="rect">
             <a:avLst/>
@@ -5044,7 +4060,7 @@
     </p:spTree>
     <p:extLst>
       <p:ext uri="{BB962C8B-B14F-4D97-AF65-F5344CB8AC3E}">
-        <p14:creationId xmlns:p14="http://schemas.microsoft.com/office/powerpoint/2010/main" val="733112128"/>
+        <p14:creationId xmlns:p14="http://schemas.microsoft.com/office/powerpoint/2010/main" val="1767050532"/>
       </p:ext>
     </p:extLst>
   </p:cSld>
@@ -5071,38 +4087,13 @@
           <a:chExt cx="0" cy="0"/>
         </a:xfrm>
       </p:grpSpPr>
-      <p:sp>
-        <p:nvSpPr>
-          <p:cNvPr id="2" name="Title 1"/>
-          <p:cNvSpPr>
-            <a:spLocks noGrp="1"/>
-          </p:cNvSpPr>
-          <p:nvPr>
-            <p:ph type="title"/>
-          </p:nvPr>
-        </p:nvSpPr>
-        <p:spPr/>
-        <p:txBody>
-          <a:bodyPr/>
-          <a:lstStyle/>
-          <a:p>
-            <a:r>
-              <a:rPr lang="en-US" dirty="0" smtClean="0"/>
-              <a:t>Sample test case </a:t>
-            </a:r>
-            <a:endParaRPr lang="en-US" dirty="0"/>
-          </a:p>
-        </p:txBody>
-      </p:sp>
       <p:pic>
         <p:nvPicPr>
-          <p:cNvPr id="4" name="Content Placeholder 3"/>
+          <p:cNvPr id="3" name="Picture 2"/>
           <p:cNvPicPr>
-            <a:picLocks noGrp="1" noChangeAspect="1"/>
+            <a:picLocks noChangeAspect="1"/>
           </p:cNvPicPr>
-          <p:nvPr>
-            <p:ph idx="1"/>
-          </p:nvPr>
+          <p:nvPr/>
         </p:nvPicPr>
         <p:blipFill>
           <a:blip r:embed="rId2"/>
@@ -5112,8 +4103,8 @@
         </p:blipFill>
         <p:spPr>
           <a:xfrm>
-            <a:off x="2336774" y="1825625"/>
-            <a:ext cx="7518451" cy="4351338"/>
+            <a:off x="1923688" y="335012"/>
+            <a:ext cx="8344623" cy="6187976"/>
           </a:xfrm>
           <a:prstGeom prst="rect">
             <a:avLst/>
@@ -5123,7 +4114,7 @@
     </p:spTree>
     <p:extLst>
       <p:ext uri="{BB962C8B-B14F-4D97-AF65-F5344CB8AC3E}">
-        <p14:creationId xmlns:p14="http://schemas.microsoft.com/office/powerpoint/2010/main" val="2083326486"/>
+        <p14:creationId xmlns:p14="http://schemas.microsoft.com/office/powerpoint/2010/main" val="1351996840"/>
       </p:ext>
     </p:extLst>
   </p:cSld>
